--- a/artifacts/arch/FlowDiagram.pptx
+++ b/artifacts/arch/FlowDiagram.pptx
@@ -6014,11 +6014,7 @@
             <a:pPr algn="ctr"/>
             <a:r>
               <a:rPr lang="en-US" dirty="0"/>
-              <a:t>Email received in </a:t>
-            </a:r>
-            <a:r>
-              <a:rPr lang="en-US" dirty="0"/>
-              <a:t>Inbox</a:t>
+              <a:t>Email received in Inbox</a:t>
             </a:r>
           </a:p>
         </p:txBody>
@@ -6031,8 +6027,8 @@
         </p:nvSpPr>
         <p:spPr>
           <a:xfrm>
-            <a:off x="7108506" y="1864078"/>
-            <a:ext cx="1939542" cy="643468"/>
+            <a:off x="7108505" y="1864078"/>
+            <a:ext cx="2148383" cy="724206"/>
           </a:xfrm>
           <a:prstGeom prst="rect">
             <a:avLst/>
@@ -6070,15 +6066,19 @@
             </a:r>
             <a:r>
               <a:rPr lang="en-US" dirty="0"/>
-              <a:t> model(</a:t>
-            </a:r>
-            <a:r>
-              <a:rPr lang="en-US" dirty="0" err="1"/>
+              <a:t> </a:t>
+            </a:r>
+            <a:r>
+              <a:rPr lang="en-US" dirty="0" smtClean="0"/>
+              <a:t>model(</a:t>
+            </a:r>
+            <a:r>
+              <a:rPr lang="en-US" dirty="0" err="1" smtClean="0"/>
               <a:t>gemini</a:t>
             </a:r>
             <a:r>
-              <a:rPr lang="en-US" dirty="0"/>
-              <a:t>)</a:t>
+              <a:rPr lang="en-US" dirty="0" smtClean="0"/>
+              <a:t> 2.0 flash)</a:t>
             </a:r>
             <a:endParaRPr lang="en-US" dirty="0"/>
           </a:p>
@@ -6353,7 +6353,6 @@
               <a:rPr lang="en-US" dirty="0"/>
               <a:t>Dashboard</a:t>
             </a:r>
-            <a:endParaRPr lang="en-US" dirty="0"/>
           </a:p>
         </p:txBody>
       </p:sp>
@@ -6365,8 +6364,8 @@
         </p:nvSpPr>
         <p:spPr>
           <a:xfrm>
-            <a:off x="6729412" y="6462007"/>
-            <a:ext cx="1523448" cy="275872"/>
+            <a:off x="1185613" y="6241601"/>
+            <a:ext cx="1523448" cy="330851"/>
           </a:xfrm>
           <a:prstGeom prst="rect">
             <a:avLst/>
@@ -6400,8 +6399,8 @@
           <a:p>
             <a:pPr algn="ctr"/>
             <a:r>
-              <a:rPr lang="en-US" dirty="0" err="1" smtClean="0"/>
-              <a:t>ShadCn</a:t>
+              <a:rPr lang="en-US" dirty="0" smtClean="0"/>
+              <a:t>React</a:t>
             </a:r>
             <a:endParaRPr lang="en-US" dirty="0"/>
           </a:p>
@@ -6415,7 +6414,7 @@
         </p:nvSpPr>
         <p:spPr>
           <a:xfrm>
-            <a:off x="6706731" y="5745124"/>
+            <a:off x="6545124" y="6241601"/>
             <a:ext cx="1523447" cy="330148"/>
           </a:xfrm>
           <a:prstGeom prst="rect">
@@ -6460,50 +6459,13 @@
       <p:cxnSp>
         <p:nvCxnSpPr>
           <p:cNvPr id="26" name="Straight Arrow Connector 25"/>
-          <p:cNvCxnSpPr>
-            <a:stCxn id="24" idx="1"/>
-          </p:cNvCxnSpPr>
+          <p:cNvCxnSpPr/>
           <p:nvPr/>
         </p:nvCxnSpPr>
         <p:spPr>
           <a:xfrm flipH="1">
-            <a:off x="5919079" y="5910198"/>
-            <a:ext cx="787652" cy="386735"/>
-          </a:xfrm>
-          <a:prstGeom prst="straightConnector1">
-            <a:avLst/>
-          </a:prstGeom>
-          <a:ln>
-            <a:tailEnd type="triangle"/>
-          </a:ln>
-        </p:spPr>
-        <p:style>
-          <a:lnRef idx="1">
-            <a:schemeClr val="accent1"/>
-          </a:lnRef>
-          <a:fillRef idx="0">
-            <a:schemeClr val="accent1"/>
-          </a:fillRef>
-          <a:effectRef idx="0">
-            <a:schemeClr val="accent1"/>
-          </a:effectRef>
-          <a:fontRef idx="minor">
-            <a:schemeClr val="tx1"/>
-          </a:fontRef>
-        </p:style>
-      </p:cxnSp>
-      <p:cxnSp>
-        <p:nvCxnSpPr>
-          <p:cNvPr id="27" name="Straight Arrow Connector 26"/>
-          <p:cNvCxnSpPr>
-            <a:stCxn id="23" idx="1"/>
-          </p:cNvCxnSpPr>
-          <p:nvPr/>
-        </p:nvCxnSpPr>
-        <p:spPr>
-          <a:xfrm flipH="1" flipV="1">
-            <a:off x="5919079" y="6434008"/>
-            <a:ext cx="810333" cy="165935"/>
+            <a:off x="5870222" y="6406675"/>
+            <a:ext cx="575734" cy="0"/>
           </a:xfrm>
           <a:prstGeom prst="straightConnector1">
             <a:avLst/>
@@ -6557,6 +6519,39 @@
           </a:prstGeom>
         </p:spPr>
       </p:pic>
+      <p:cxnSp>
+        <p:nvCxnSpPr>
+          <p:cNvPr id="21" name="Straight Arrow Connector 20"/>
+          <p:cNvCxnSpPr/>
+          <p:nvPr/>
+        </p:nvCxnSpPr>
+        <p:spPr>
+          <a:xfrm flipV="1">
+            <a:off x="2906613" y="6407027"/>
+            <a:ext cx="520232" cy="1"/>
+          </a:xfrm>
+          <a:prstGeom prst="straightConnector1">
+            <a:avLst/>
+          </a:prstGeom>
+          <a:ln>
+            <a:tailEnd type="triangle"/>
+          </a:ln>
+        </p:spPr>
+        <p:style>
+          <a:lnRef idx="1">
+            <a:schemeClr val="accent1"/>
+          </a:lnRef>
+          <a:fillRef idx="0">
+            <a:schemeClr val="accent1"/>
+          </a:fillRef>
+          <a:effectRef idx="0">
+            <a:schemeClr val="accent1"/>
+          </a:effectRef>
+          <a:fontRef idx="minor">
+            <a:schemeClr val="tx1"/>
+          </a:fontRef>
+        </p:style>
+      </p:cxnSp>
     </p:spTree>
     <p:extLst>
       <p:ext uri="{BB962C8B-B14F-4D97-AF65-F5344CB8AC3E}">
